--- a/SISTEMA DE CONTROLE DE ACESSO.pptx
+++ b/SISTEMA DE CONTROLE DE ACESSO.pptx
@@ -214,7 +214,7 @@
             <a:pPr rtl="0"/>
             <a:fld id="{0ECB700D-7E1A-49E2-ABAD-092ACBACD43B}" type="datetime1">
               <a:rPr lang="pt-BR" smtClean="0"/>
-              <a:t>07/04/2024</a:t>
+              <a:t>08/04/2024</a:t>
             </a:fld>
             <a:endParaRPr lang="en-US" dirty="0"/>
           </a:p>
@@ -384,7 +384,7 @@
             <a:pPr rtl="0"/>
             <a:fld id="{F3E3353A-A592-44BD-B6AB-B98E47E0DF51}" type="datetime1">
               <a:rPr lang="pt-BR" smtClean="0"/>
-              <a:t>07/04/2024</a:t>
+              <a:t>08/04/2024</a:t>
             </a:fld>
             <a:endParaRPr lang="en-US"/>
           </a:p>
@@ -898,7 +898,7 @@
             <a:pPr rtl="0"/>
             <a:fld id="{00472D23-6933-4398-B088-86D87D4569A8}" type="datetime1">
               <a:rPr lang="pt-BR" smtClean="0"/>
-              <a:t>07/04/2024</a:t>
+              <a:t>08/04/2024</a:t>
             </a:fld>
             <a:endParaRPr lang="en-US" dirty="0"/>
           </a:p>
@@ -1105,7 +1105,7 @@
             <a:pPr rtl="0"/>
             <a:fld id="{C28CAC3A-C360-423D-8EE7-1FC8754818CB}" type="datetime1">
               <a:rPr lang="pt-BR" smtClean="0"/>
-              <a:t>07/04/2024</a:t>
+              <a:t>08/04/2024</a:t>
             </a:fld>
             <a:endParaRPr lang="en-US" dirty="0"/>
           </a:p>
@@ -1471,7 +1471,7 @@
             <a:pPr rtl="0"/>
             <a:fld id="{8BBA3C67-7F45-4D7A-B048-0542E838373B}" type="datetime1">
               <a:rPr lang="pt-BR" smtClean="0"/>
-              <a:t>07/04/2024</a:t>
+              <a:t>08/04/2024</a:t>
             </a:fld>
             <a:endParaRPr lang="en-US" dirty="0"/>
           </a:p>
@@ -1673,7 +1673,7 @@
             <a:pPr rtl="0"/>
             <a:fld id="{D6866A0C-EEE8-4DE1-9ECF-51EC9C0B8BE2}" type="datetime1">
               <a:rPr lang="pt-BR" smtClean="0"/>
-              <a:t>07/04/2024</a:t>
+              <a:t>08/04/2024</a:t>
             </a:fld>
             <a:endParaRPr lang="en-US" dirty="0"/>
           </a:p>
@@ -1989,7 +1989,7 @@
             <a:pPr rtl="0"/>
             <a:fld id="{C9F9B11C-AD18-4A04-821E-C5366FCA14C8}" type="datetime1">
               <a:rPr lang="pt-BR" smtClean="0"/>
-              <a:t>07/04/2024</a:t>
+              <a:t>08/04/2024</a:t>
             </a:fld>
             <a:endParaRPr lang="en-US" dirty="0"/>
           </a:p>
@@ -2246,7 +2246,7 @@
             <a:pPr rtl="0"/>
             <a:fld id="{B34586AC-0217-4567-B29B-23EE9A9222A5}" type="datetime1">
               <a:rPr lang="pt-BR" smtClean="0"/>
-              <a:t>07/04/2024</a:t>
+              <a:t>08/04/2024</a:t>
             </a:fld>
             <a:endParaRPr lang="en-US" dirty="0"/>
           </a:p>
@@ -2672,7 +2672,7 @@
             <a:pPr rtl="0"/>
             <a:fld id="{05EA9A4D-5B4A-4536-B4F3-3781F06B7402}" type="datetime1">
               <a:rPr lang="pt-BR" smtClean="0"/>
-              <a:t>07/04/2024</a:t>
+              <a:t>08/04/2024</a:t>
             </a:fld>
             <a:endParaRPr lang="en-US" dirty="0"/>
           </a:p>
@@ -2799,7 +2799,7 @@
             <a:pPr rtl="0"/>
             <a:fld id="{45D2EFA0-DD31-4334-BD97-CA68CA1EAF7D}" type="datetime1">
               <a:rPr lang="pt-BR" smtClean="0"/>
-              <a:t>07/04/2024</a:t>
+              <a:t>08/04/2024</a:t>
             </a:fld>
             <a:endParaRPr lang="en-US" dirty="0"/>
           </a:p>
@@ -2897,7 +2897,7 @@
             <a:pPr rtl="0"/>
             <a:fld id="{3422C804-0B7D-49A4-9AA4-17093ACFAE26}" type="datetime1">
               <a:rPr lang="pt-BR" smtClean="0"/>
-              <a:t>07/04/2024</a:t>
+              <a:t>08/04/2024</a:t>
             </a:fld>
             <a:endParaRPr lang="en-US" dirty="0"/>
           </a:p>
@@ -3278,7 +3278,7 @@
             <a:pPr rtl="0"/>
             <a:fld id="{F26C5998-667C-4083-8EAC-8B78C6E30EC5}" type="datetime1">
               <a:rPr lang="pt-BR" smtClean="0"/>
-              <a:t>07/04/2024</a:t>
+              <a:t>08/04/2024</a:t>
             </a:fld>
             <a:endParaRPr lang="en-US" dirty="0"/>
           </a:p>
@@ -3576,7 +3576,7 @@
             <a:pPr rtl="0"/>
             <a:fld id="{9CBC8F94-10C4-4E0E-B702-FA76FB225505}" type="datetime1">
               <a:rPr lang="pt-BR" smtClean="0"/>
-              <a:t>07/04/2024</a:t>
+              <a:t>08/04/2024</a:t>
             </a:fld>
             <a:endParaRPr lang="en-US" dirty="0"/>
           </a:p>
@@ -3794,7 +3794,7 @@
             <a:pPr rtl="0"/>
             <a:fld id="{ACCDFDDD-D174-442B-974C-2E7F8D4F71ED}" type="datetime1">
               <a:rPr lang="pt-BR" smtClean="0"/>
-              <a:t>07/04/2024</a:t>
+              <a:t>08/04/2024</a:t>
             </a:fld>
             <a:endParaRPr lang="en-US" dirty="0"/>
           </a:p>
@@ -5147,7 +5147,7 @@
             </a:r>
             <a:r>
               <a:rPr lang="pt-BR" dirty="0"/>
-              <a:t> (11 dígitos), Não pode repetir o </a:t>
+              <a:t> (11 dígitos e se é válido), Não pode repetir o </a:t>
             </a:r>
             <a:r>
               <a:rPr lang="pt-BR" dirty="0">
@@ -5770,7 +5770,7 @@
             </a:pPr>
             <a:r>
               <a:rPr lang="pt-BR" dirty="0"/>
-              <a:t>    id_card VARCHAR(255) UNIQUE NOT NULL,</a:t>
+              <a:t>    id_card INT(255) UNIQUE NOT NULL,</a:t>
             </a:r>
           </a:p>
           <a:p>
